--- a/lab2/2. Classes and Objects.pptx
+++ b/lab2/2. Classes and Objects.pptx
@@ -1394,7 +1394,39 @@
             </a:pPr>
             <a:r>
               <a:rPr lang="en"/>
-              <a:t>Get a pause here and discuss it or maybe even draw it</a:t>
+              <a:t>Stack contains method invocations and local variables</a:t>
+            </a:r>
+            <a:endParaRPr/>
+          </a:p>
+          <a:p>
+            <a:pPr indent="0" lvl="0" marL="0" rtl="0" algn="l">
+              <a:spcBef>
+                <a:spcPts val="0"/>
+              </a:spcBef>
+              <a:spcAft>
+                <a:spcPts val="0"/>
+              </a:spcAft>
+              <a:buNone/>
+            </a:pPr>
+            <a:r>
+              <a:rPr lang="en"/>
+              <a:t>Heap contains objects, which on their own contain only instance variable</a:t>
+            </a:r>
+            <a:endParaRPr/>
+          </a:p>
+          <a:p>
+            <a:pPr indent="0" lvl="0" marL="0" rtl="0" algn="l">
+              <a:spcBef>
+                <a:spcPts val="0"/>
+              </a:spcBef>
+              <a:spcAft>
+                <a:spcPts val="0"/>
+              </a:spcAft>
+              <a:buNone/>
+            </a:pPr>
+            <a:r>
+              <a:rPr lang="en"/>
+              <a:t>Advanced: methods of the class live in another space</a:t>
             </a:r>
             <a:endParaRPr/>
           </a:p>
@@ -1413,7 +1445,7 @@
   <p:cSld>
     <p:spTree>
       <p:nvGrpSpPr>
-        <p:cNvPr id="107" name="Shape 107"/>
+        <p:cNvPr id="106" name="Shape 106"/>
         <p:cNvGrpSpPr/>
         <p:nvPr/>
       </p:nvGrpSpPr>
@@ -1427,7 +1459,7 @@
       </p:grpSpPr>
       <p:sp>
         <p:nvSpPr>
-          <p:cNvPr id="108" name="Google Shape;108;g15774790073_0_3:notes"/>
+          <p:cNvPr id="107" name="Google Shape;107;g15774790073_0_3:notes"/>
           <p:cNvSpPr/>
           <p:nvPr>
             <p:ph idx="2" type="sldImg"/>
@@ -1462,7 +1494,7 @@
       </p:sp>
       <p:sp>
         <p:nvSpPr>
-          <p:cNvPr id="109" name="Google Shape;109;g15774790073_0_3:notes"/>
+          <p:cNvPr id="108" name="Google Shape;108;g15774790073_0_3:notes"/>
           <p:cNvSpPr txBox="1"/>
           <p:nvPr>
             <p:ph idx="1" type="body"/>
@@ -1493,96 +1525,7 @@
               <a:buNone/>
             </a:pPr>
             <a:r>
-              <a:rPr lang="en" u="sng">
-                <a:solidFill>
-                  <a:schemeClr val="hlink"/>
-                </a:solidFill>
-                <a:hlinkClick r:id="rId2"/>
-              </a:rPr>
-              <a:t>https://app.formative.com/formatives/632b57d8f233cb2a47c0f66a/results</a:t>
-            </a:r>
-            <a:r>
-              <a:rPr lang="en"/>
-              <a:t> </a:t>
-            </a:r>
-            <a:endParaRPr/>
-          </a:p>
-          <a:p>
-            <a:pPr indent="0" lvl="0" marL="0" rtl="0" algn="l">
-              <a:spcBef>
-                <a:spcPts val="0"/>
-              </a:spcBef>
-              <a:spcAft>
-                <a:spcPts val="0"/>
-              </a:spcAft>
-              <a:buNone/>
-            </a:pPr>
-            <a:r>
               <a:t/>
-            </a:r>
-            <a:endParaRPr/>
-          </a:p>
-          <a:p>
-            <a:pPr indent="0" lvl="0" marL="50800" rtl="0" algn="l">
-              <a:lnSpc>
-                <a:spcPct val="115000"/>
-              </a:lnSpc>
-              <a:spcBef>
-                <a:spcPts val="0"/>
-              </a:spcBef>
-              <a:spcAft>
-                <a:spcPts val="0"/>
-              </a:spcAft>
-              <a:buNone/>
-            </a:pPr>
-            <a:r>
-              <a:rPr lang="en" sz="4800">
-                <a:solidFill>
-                  <a:srgbClr val="041C44"/>
-                </a:solidFill>
-                <a:highlight>
-                  <a:schemeClr val="lt1"/>
-                </a:highlight>
-              </a:rPr>
-              <a:t>TX3B6A  gr 2</a:t>
-            </a:r>
-            <a:endParaRPr sz="4800">
-              <a:solidFill>
-                <a:srgbClr val="041C44"/>
-              </a:solidFill>
-              <a:highlight>
-                <a:schemeClr val="lt1"/>
-              </a:highlight>
-            </a:endParaRPr>
-          </a:p>
-          <a:p>
-            <a:pPr indent="0" lvl="0" marL="50800" rtl="0" algn="l">
-              <a:lnSpc>
-                <a:spcPct val="115000"/>
-              </a:lnSpc>
-              <a:spcBef>
-                <a:spcPts val="400"/>
-              </a:spcBef>
-              <a:spcAft>
-                <a:spcPts val="400"/>
-              </a:spcAft>
-              <a:buClr>
-                <a:schemeClr val="dk1"/>
-              </a:buClr>
-              <a:buSzPts val="1100"/>
-              <a:buFont typeface="Arial"/>
-              <a:buNone/>
-            </a:pPr>
-            <a:r>
-              <a:rPr lang="en" sz="1900">
-                <a:solidFill>
-                  <a:srgbClr val="041C44"/>
-                </a:solidFill>
-                <a:highlight>
-                  <a:srgbClr val="F5F6F8"/>
-                </a:highlight>
-              </a:rPr>
-              <a:t>Z29TPC  gr1</a:t>
             </a:r>
             <a:endParaRPr/>
           </a:p>
@@ -1601,7 +1544,7 @@
   <p:cSld>
     <p:spTree>
       <p:nvGrpSpPr>
-        <p:cNvPr id="114" name="Shape 114"/>
+        <p:cNvPr id="113" name="Shape 113"/>
         <p:cNvGrpSpPr/>
         <p:nvPr/>
       </p:nvGrpSpPr>
@@ -1615,7 +1558,7 @@
       </p:grpSpPr>
       <p:sp>
         <p:nvSpPr>
-          <p:cNvPr id="115" name="Google Shape;115;g15774790073_0_20:notes"/>
+          <p:cNvPr id="114" name="Google Shape;114;g15774790073_0_20:notes"/>
           <p:cNvSpPr/>
           <p:nvPr>
             <p:ph idx="2" type="sldImg"/>
@@ -1650,7 +1593,7 @@
       </p:sp>
       <p:sp>
         <p:nvSpPr>
-          <p:cNvPr id="116" name="Google Shape;116;g15774790073_0_20:notes"/>
+          <p:cNvPr id="115" name="Google Shape;115;g15774790073_0_20:notes"/>
           <p:cNvSpPr txBox="1"/>
           <p:nvPr>
             <p:ph idx="1" type="body"/>
@@ -8407,49 +8350,9 @@
           <a:chExt cx="0" cy="0"/>
         </a:xfrm>
       </p:grpSpPr>
-      <p:sp>
-        <p:nvSpPr>
-          <p:cNvPr id="104" name="Google Shape;104;p19"/>
-          <p:cNvSpPr txBox="1"/>
-          <p:nvPr>
-            <p:ph type="ctrTitle"/>
-          </p:nvPr>
-        </p:nvSpPr>
-        <p:spPr>
-          <a:xfrm>
-            <a:off x="311700" y="568225"/>
-            <a:ext cx="8520600" cy="952200"/>
-          </a:xfrm>
-          <a:prstGeom prst="rect">
-            <a:avLst/>
-          </a:prstGeom>
-        </p:spPr>
-        <p:txBody>
-          <a:bodyPr anchorCtr="0" anchor="b" bIns="91425" lIns="91425" spcFirstLastPara="1" rIns="91425" wrap="square" tIns="91425">
-            <a:normAutofit fontScale="90000"/>
-          </a:bodyPr>
-          <a:lstStyle/>
-          <a:p>
-            <a:pPr indent="0" lvl="0" marL="0" rtl="0" algn="ctr">
-              <a:spcBef>
-                <a:spcPts val="0"/>
-              </a:spcBef>
-              <a:spcAft>
-                <a:spcPts val="0"/>
-              </a:spcAft>
-              <a:buNone/>
-            </a:pPr>
-            <a:r>
-              <a:rPr lang="en"/>
-              <a:t>“New” behind the scenes</a:t>
-            </a:r>
-            <a:endParaRPr/>
-          </a:p>
-        </p:txBody>
-      </p:sp>
       <p:pic>
         <p:nvPicPr>
-          <p:cNvPr id="105" name="Google Shape;105;p19"/>
+          <p:cNvPr id="104" name="Google Shape;104;p19"/>
           <p:cNvPicPr preferRelativeResize="0"/>
           <p:nvPr/>
         </p:nvPicPr>
@@ -8477,7 +8380,7 @@
       </p:pic>
       <p:pic>
         <p:nvPicPr>
-          <p:cNvPr id="106" name="Google Shape;106;p19"/>
+          <p:cNvPr id="105" name="Google Shape;105;p19"/>
           <p:cNvPicPr preferRelativeResize="0"/>
           <p:nvPr/>
         </p:nvPicPr>
@@ -8491,8 +8394,8 @@
         </p:blipFill>
         <p:spPr>
           <a:xfrm>
-            <a:off x="1047750" y="1674813"/>
-            <a:ext cx="7048500" cy="3190875"/>
+            <a:off x="793850" y="0"/>
+            <a:ext cx="8350150" cy="5101186"/>
           </a:xfrm>
           <a:prstGeom prst="rect">
             <a:avLst/>
@@ -8508,166 +8411,6 @@
   <p:clrMapOvr>
     <a:masterClrMapping/>
   </p:clrMapOvr>
-  <p:timing>
-    <p:tnLst>
-      <p:par>
-        <p:cTn dur="indefinite" nodeType="tmRoot" restart="never">
-          <p:childTnLst>
-            <p:seq concurrent="1" nextAc="seek">
-              <p:cTn dur="indefinite" id="2" nodeType="mainSeq">
-                <p:childTnLst>
-                  <p:par>
-                    <p:cTn fill="hold">
-                      <p:stCondLst>
-                        <p:cond delay="indefinite"/>
-                        <p:cond evt="onBegin" delay="0">
-                          <p:tn val="2"/>
-                        </p:cond>
-                      </p:stCondLst>
-                      <p:childTnLst>
-                        <p:par>
-                          <p:cTn fill="hold">
-                            <p:stCondLst>
-                              <p:cond delay="0"/>
-                            </p:stCondLst>
-                            <p:childTnLst>
-                              <p:par>
-                                <p:cTn fill="hold" nodeType="afterEffect" presetClass="entr" presetID="2" presetSubtype="1">
-                                  <p:stCondLst>
-                                    <p:cond delay="0"/>
-                                  </p:stCondLst>
-                                  <p:childTnLst>
-                                    <p:set>
-                                      <p:cBhvr>
-                                        <p:cTn dur="1" fill="hold">
-                                          <p:stCondLst>
-                                            <p:cond delay="0"/>
-                                          </p:stCondLst>
-                                        </p:cTn>
-                                        <p:tgtEl>
-                                          <p:spTgt spid="104"/>
-                                        </p:tgtEl>
-                                        <p:attrNameLst>
-                                          <p:attrName>style.visibility</p:attrName>
-                                        </p:attrNameLst>
-                                      </p:cBhvr>
-                                      <p:to>
-                                        <p:strVal val="visible"/>
-                                      </p:to>
-                                    </p:set>
-                                    <p:anim calcmode="lin" valueType="num">
-                                      <p:cBhvr additive="base">
-                                        <p:cTn dur="1000"/>
-                                        <p:tgtEl>
-                                          <p:spTgt spid="104"/>
-                                        </p:tgtEl>
-                                        <p:attrNameLst>
-                                          <p:attrName>ppt_y</p:attrName>
-                                        </p:attrNameLst>
-                                      </p:cBhvr>
-                                      <p:tavLst>
-                                        <p:tav fmla="" tm="0">
-                                          <p:val>
-                                            <p:strVal val="#ppt_y-1"/>
-                                          </p:val>
-                                        </p:tav>
-                                        <p:tav fmla="" tm="100000">
-                                          <p:val>
-                                            <p:strVal val="#ppt_y"/>
-                                          </p:val>
-                                        </p:tav>
-                                      </p:tavLst>
-                                    </p:anim>
-                                  </p:childTnLst>
-                                </p:cTn>
-                              </p:par>
-                            </p:childTnLst>
-                          </p:cTn>
-                        </p:par>
-                        <p:par>
-                          <p:cTn fill="hold">
-                            <p:stCondLst>
-                              <p:cond delay="1000"/>
-                            </p:stCondLst>
-                            <p:childTnLst>
-                              <p:par>
-                                <p:cTn fill="hold" nodeType="afterEffect" presetClass="entr" presetID="2" presetSubtype="4">
-                                  <p:stCondLst>
-                                    <p:cond delay="0"/>
-                                  </p:stCondLst>
-                                  <p:childTnLst>
-                                    <p:set>
-                                      <p:cBhvr>
-                                        <p:cTn dur="1" fill="hold">
-                                          <p:stCondLst>
-                                            <p:cond delay="0"/>
-                                          </p:stCondLst>
-                                        </p:cTn>
-                                        <p:tgtEl>
-                                          <p:spTgt spid="106"/>
-                                        </p:tgtEl>
-                                        <p:attrNameLst>
-                                          <p:attrName>style.visibility</p:attrName>
-                                        </p:attrNameLst>
-                                      </p:cBhvr>
-                                      <p:to>
-                                        <p:strVal val="visible"/>
-                                      </p:to>
-                                    </p:set>
-                                    <p:anim calcmode="lin" valueType="num">
-                                      <p:cBhvr additive="base">
-                                        <p:cTn dur="1000"/>
-                                        <p:tgtEl>
-                                          <p:spTgt spid="106"/>
-                                        </p:tgtEl>
-                                        <p:attrNameLst>
-                                          <p:attrName>ppt_y</p:attrName>
-                                        </p:attrNameLst>
-                                      </p:cBhvr>
-                                      <p:tavLst>
-                                        <p:tav fmla="" tm="0">
-                                          <p:val>
-                                            <p:strVal val="#ppt_y+1"/>
-                                          </p:val>
-                                        </p:tav>
-                                        <p:tav fmla="" tm="100000">
-                                          <p:val>
-                                            <p:strVal val="#ppt_y"/>
-                                          </p:val>
-                                        </p:tav>
-                                      </p:tavLst>
-                                    </p:anim>
-                                  </p:childTnLst>
-                                </p:cTn>
-                              </p:par>
-                            </p:childTnLst>
-                          </p:cTn>
-                        </p:par>
-                      </p:childTnLst>
-                    </p:cTn>
-                  </p:par>
-                </p:childTnLst>
-              </p:cTn>
-              <p:prevCondLst>
-                <p:cond evt="onPrev">
-                  <p:tgtEl>
-                    <p:sldTgt/>
-                  </p:tgtEl>
-                </p:cond>
-              </p:prevCondLst>
-              <p:nextCondLst>
-                <p:cond evt="onNext">
-                  <p:tgtEl>
-                    <p:sldTgt/>
-                  </p:tgtEl>
-                </p:cond>
-              </p:nextCondLst>
-            </p:seq>
-          </p:childTnLst>
-        </p:cTn>
-      </p:par>
-    </p:tnLst>
-  </p:timing>
 </p:sld>
 </file>
 
@@ -8676,7 +8419,7 @@
   <p:cSld>
     <p:spTree>
       <p:nvGrpSpPr>
-        <p:cNvPr id="110" name="Shape 110"/>
+        <p:cNvPr id="109" name="Shape 109"/>
         <p:cNvGrpSpPr/>
         <p:nvPr/>
       </p:nvGrpSpPr>
@@ -8690,7 +8433,7 @@
       </p:grpSpPr>
       <p:sp>
         <p:nvSpPr>
-          <p:cNvPr id="111" name="Google Shape;111;p20"/>
+          <p:cNvPr id="110" name="Google Shape;110;p20"/>
           <p:cNvSpPr txBox="1"/>
           <p:nvPr>
             <p:ph type="ctrTitle"/>
@@ -8778,15 +8521,15 @@
               <a:buNone/>
             </a:pPr>
             <a:r>
-              <a:rPr b="1" lang="en" sz="5100">
+              <a:rPr lang="en" sz="1900">
                 <a:solidFill>
                   <a:srgbClr val="041C44"/>
                 </a:solidFill>
                 <a:highlight>
-                  <a:schemeClr val="lt1"/>
+                  <a:srgbClr val="F5F6F8"/>
                 </a:highlight>
               </a:rPr>
-              <a:t>BNX7VL</a:t>
+              <a:t>A338FH</a:t>
             </a:r>
             <a:endParaRPr b="1" sz="5100">
               <a:solidFill>
@@ -8801,7 +8544,7 @@
       </p:sp>
       <p:pic>
         <p:nvPicPr>
-          <p:cNvPr id="112" name="Google Shape;112;p20"/>
+          <p:cNvPr id="111" name="Google Shape;111;p20"/>
           <p:cNvPicPr preferRelativeResize="0"/>
           <p:nvPr/>
         </p:nvPicPr>
@@ -8829,7 +8572,7 @@
       </p:pic>
       <p:pic>
         <p:nvPicPr>
-          <p:cNvPr id="113" name="Google Shape;113;p20"/>
+          <p:cNvPr id="112" name="Google Shape;112;p20"/>
           <p:cNvPicPr preferRelativeResize="0"/>
           <p:nvPr/>
         </p:nvPicPr>
@@ -8868,7 +8611,7 @@
   <p:cSld>
     <p:spTree>
       <p:nvGrpSpPr>
-        <p:cNvPr id="117" name="Shape 117"/>
+        <p:cNvPr id="116" name="Shape 116"/>
         <p:cNvGrpSpPr/>
         <p:nvPr/>
       </p:nvGrpSpPr>
@@ -8882,7 +8625,7 @@
       </p:grpSpPr>
       <p:pic>
         <p:nvPicPr>
-          <p:cNvPr id="118" name="Google Shape;118;p21"/>
+          <p:cNvPr id="117" name="Google Shape;117;p21"/>
           <p:cNvPicPr preferRelativeResize="0"/>
           <p:nvPr/>
         </p:nvPicPr>
@@ -8910,7 +8653,7 @@
       </p:pic>
       <p:sp>
         <p:nvSpPr>
-          <p:cNvPr id="119" name="Google Shape;119;p21"/>
+          <p:cNvPr id="118" name="Google Shape;118;p21"/>
           <p:cNvSpPr txBox="1"/>
           <p:nvPr>
             <p:ph type="ctrTitle"/>
@@ -8950,7 +8693,7 @@
       </p:sp>
       <p:sp>
         <p:nvSpPr>
-          <p:cNvPr id="120" name="Google Shape;120;p21"/>
+          <p:cNvPr id="119" name="Google Shape;119;p21"/>
           <p:cNvSpPr txBox="1"/>
           <p:nvPr>
             <p:ph idx="1" type="subTitle"/>
